--- a/NoSQL/The_survey_on_redis.pptx
+++ b/NoSQL/The_survey_on_redis.pptx
@@ -8822,7 +8822,7 @@
         <p:spPr>
           <a:xfrm>
             <a:off x="1045020" y="1343814"/>
-            <a:ext cx="10105135" cy="4170372"/>
+            <a:ext cx="10105135" cy="2585323"/>
           </a:xfrm>
           <a:prstGeom prst="rect">
             <a:avLst/>
@@ -8907,18 +8907,48 @@
               <a:t>. Therefore everything is persistence. The problem with using AOF is that it writes to disk for every operation and it is a expensive task and also size of AOF file is large than RDB file.</a:t>
             </a:r>
           </a:p>
-          <a:p>
-            <a:pPr lvl="1"/>
+        </p:txBody>
+      </p:sp>
+      <p:sp>
+        <p:nvSpPr>
+          <p:cNvPr id="3" name="矩形 2">
+            <a:extLst>
+              <a:ext uri="{FF2B5EF4-FFF2-40B4-BE49-F238E27FC236}">
+                <a16:creationId xmlns:a16="http://schemas.microsoft.com/office/drawing/2014/main" id="{9F20AA6F-E83C-4BAC-AF85-2BCCB7F85CE7}"/>
+              </a:ext>
+            </a:extLst>
+          </p:cNvPr>
+          <p:cNvSpPr/>
+          <p:nvPr/>
+        </p:nvSpPr>
+        <p:spPr>
+          <a:xfrm>
+            <a:off x="504001" y="4399619"/>
+            <a:ext cx="11023744" cy="1200329"/>
+          </a:xfrm>
+          <a:prstGeom prst="rect">
+            <a:avLst/>
+          </a:prstGeom>
+        </p:spPr>
+        <p:txBody>
+          <a:bodyPr wrap="square">
+            <a:spAutoFit/>
+          </a:bodyPr>
+          <a:lstStyle/>
+          <a:p>
+            <a:pPr lvl="1">
+              <a:buNone/>
+            </a:pPr>
             <a:r>
               <a:rPr lang="en-US" altLang="zh-CN" dirty="0"/>
-              <a:t>SAVE Command</a:t>
+              <a:t>SAVE Command:</a:t>
             </a:r>
           </a:p>
           <a:p>
             <a:pPr lvl="2"/>
             <a:r>
               <a:rPr lang="en-US" altLang="zh-CN" dirty="0"/>
-              <a:t> You can force Redis server to create a RDB snapshot anytime using the Redis console client SAVE command.</a:t>
+              <a:t> You can force Redis server to create a RDB snapshot anytime using the Redis console client.</a:t>
             </a:r>
           </a:p>
           <a:p>
@@ -8944,13 +8974,6 @@
               <a:rPr lang="en-US" altLang="zh-CN" dirty="0"/>
               <a:t> official documentation.</a:t>
             </a:r>
-          </a:p>
-          <a:p>
-            <a:pPr lvl="2"/>
-            <a:endParaRPr lang="en-US" altLang="zh-CN" sz="1400" kern="0" dirty="0">
-              <a:ea typeface="Arial Unicode MS" pitchFamily="34" charset="-128"/>
-              <a:cs typeface="Arial Unicode MS" pitchFamily="34" charset="-128"/>
-            </a:endParaRPr>
           </a:p>
         </p:txBody>
       </p:sp>
@@ -9185,7 +9208,7 @@
         <p:spPr bwMode="auto">
           <a:xfrm>
             <a:off x="6136913" y="1967061"/>
-            <a:ext cx="5285991" cy="2923877"/>
+            <a:ext cx="5828168" cy="3223775"/>
           </a:xfrm>
           <a:prstGeom prst="rect">
             <a:avLst/>
@@ -9284,7 +9307,7 @@
         <p:spPr bwMode="auto">
           <a:xfrm>
             <a:off x="6134100" y="1967061"/>
-            <a:ext cx="5285991" cy="2923877"/>
+            <a:ext cx="5945056" cy="3288430"/>
           </a:xfrm>
           <a:prstGeom prst="rect">
             <a:avLst/>
@@ -10017,8 +10040,8 @@
         </p:nvSpPr>
         <p:spPr>
           <a:xfrm>
-            <a:off x="503238" y="1421865"/>
-            <a:ext cx="11047078" cy="4431983"/>
+            <a:off x="945501" y="1797784"/>
+            <a:ext cx="10377198" cy="3262432"/>
           </a:xfrm>
           <a:prstGeom prst="rect">
             <a:avLst/>
@@ -10041,15 +10064,15 @@
               <a:buChar char="§"/>
             </a:pPr>
             <a:r>
-              <a:rPr lang="en-US" altLang="zh-CN" sz="1800" dirty="0"/>
+              <a:rPr lang="en-US" altLang="zh-CN" sz="2000" dirty="0"/>
               <a:t>In Redis, </a:t>
             </a:r>
             <a:r>
-              <a:rPr lang="en-US" altLang="zh-CN" sz="1800" b="1" dirty="0"/>
+              <a:rPr lang="en-US" altLang="zh-CN" sz="2000" b="1" dirty="0"/>
               <a:t>not all data storage occurs in memory</a:t>
             </a:r>
             <a:r>
-              <a:rPr lang="en-US" altLang="zh-CN" sz="1800" dirty="0"/>
+              <a:rPr lang="en-US" altLang="zh-CN" sz="2000" dirty="0"/>
               <a:t>. </a:t>
             </a:r>
           </a:p>
@@ -10098,32 +10121,36 @@
             </a:pPr>
             <a:r>
               <a:rPr lang="en-US" altLang="zh-CN" sz="1800" dirty="0"/>
-              <a:t>Exceeding the threshold value, which will trigger the swap operation. Redis calculates the values for the keys to be swapped to the disk based on </a:t>
-            </a:r>
-            <a:r>
-              <a:rPr lang="en-US" altLang="zh-CN" sz="1800" b="1" dirty="0"/>
-              <a:t>“</a:t>
-            </a:r>
-            <a:r>
-              <a:rPr lang="en-US" altLang="zh-CN" sz="1800" b="1" dirty="0" err="1"/>
+              <a:t>Exceeding the threshold value, which will trigger the swap operation. Redis calculates the values for the keys to be swapped to the disk based on</a:t>
+            </a:r>
+          </a:p>
+          <a:p>
+            <a:pPr marL="870260" lvl="1" algn="ctr" defTabSz="1088558" fontAlgn="base">
+              <a:spcBef>
+                <a:spcPts val="600"/>
+              </a:spcBef>
+              <a:buClr>
+                <a:schemeClr val="accent1"/>
+              </a:buClr>
+              <a:buNone/>
+            </a:pPr>
+            <a:r>
+              <a:rPr lang="en-US" altLang="zh-CN" sz="2800" b="1" dirty="0" err="1"/>
               <a:t>swappability</a:t>
             </a:r>
             <a:r>
-              <a:rPr lang="en-US" altLang="zh-CN" sz="1800" b="1" dirty="0"/>
+              <a:rPr lang="en-US" altLang="zh-CN" sz="2800" b="1" dirty="0"/>
               <a:t> = age*log(</a:t>
             </a:r>
             <a:r>
-              <a:rPr lang="en-US" altLang="zh-CN" sz="1800" b="1" dirty="0" err="1"/>
+              <a:rPr lang="en-US" altLang="zh-CN" sz="2800" b="1" dirty="0" err="1"/>
               <a:t>size_in_memory</a:t>
             </a:r>
             <a:r>
-              <a:rPr lang="en-US" altLang="zh-CN" sz="1800" b="1" dirty="0"/>
-              <a:t>)”. </a:t>
-            </a:r>
-            <a:r>
-              <a:rPr lang="en-US" altLang="zh-CN" sz="1800" dirty="0"/>
-              <a:t>It then makes these values for the keys persistent into the disk and erases them from memory.</a:t>
-            </a:r>
+              <a:rPr lang="en-US" altLang="zh-CN" sz="2800" b="1" dirty="0"/>
+              <a:t>). </a:t>
+            </a:r>
+            <a:endParaRPr lang="en-US" altLang="zh-CN" sz="1800" dirty="0"/>
           </a:p>
           <a:p>
             <a:pPr marL="1050224" lvl="1" indent="-179964" defTabSz="1088558" fontAlgn="base">
@@ -10137,12 +10164,16 @@
               <a:buChar char="§"/>
             </a:pPr>
             <a:r>
+              <a:rPr lang="en-US" altLang="zh-CN" sz="1800" b="1" dirty="0"/>
+              <a:t> </a:t>
+            </a:r>
+            <a:r>
               <a:rPr lang="en-US" altLang="zh-CN" sz="1800" dirty="0"/>
-              <a:t>This feature enables Redis to maintain data of a size bigger than its machine memory capacity. The machine memory must keep all the keys and it will not swap all the data.</a:t>
-            </a:r>
-          </a:p>
-          <a:p>
-            <a:pPr marL="505836" indent="-179964" defTabSz="1088558" fontAlgn="base">
+              <a:t>The age is the number of seconds the key was not requested</a:t>
+            </a:r>
+          </a:p>
+          <a:p>
+            <a:pPr marL="1050224" lvl="1" indent="-179964" defTabSz="1088558" fontAlgn="base">
               <a:spcBef>
                 <a:spcPts val="600"/>
               </a:spcBef>
@@ -10153,40 +10184,12 @@
               <a:buChar char="§"/>
             </a:pPr>
             <a:r>
+              <a:rPr lang="en-US" altLang="zh-CN" sz="1800" dirty="0" err="1"/>
+              <a:t>Size_in_memory</a:t>
+            </a:r>
+            <a:r>
               <a:rPr lang="en-US" altLang="zh-CN" sz="1800" dirty="0"/>
-              <a:t>When Redis swaps the data, the main thread that provides services, and the child thread for the swap operation will share this part of memory. </a:t>
-            </a:r>
-          </a:p>
-          <a:p>
-            <a:pPr marL="1050224" lvl="1" indent="-179964" defTabSz="1088558" fontAlgn="base">
-              <a:spcBef>
-                <a:spcPts val="600"/>
-              </a:spcBef>
-              <a:buClr>
-                <a:schemeClr val="accent1"/>
-              </a:buClr>
-              <a:buFont typeface="Wingdings" pitchFamily="2" charset="2"/>
-              <a:buChar char="§"/>
-            </a:pPr>
-            <a:r>
-              <a:rPr lang="en-US" altLang="zh-CN" sz="1800" dirty="0"/>
-              <a:t>if you update the data you intend to swap, Redis will block this operation, preventing the execution of such a change until the child thread completes the swap operation. </a:t>
-            </a:r>
-          </a:p>
-          <a:p>
-            <a:pPr marL="1050224" lvl="1" indent="-179964" defTabSz="1088558" fontAlgn="base">
-              <a:spcBef>
-                <a:spcPts val="600"/>
-              </a:spcBef>
-              <a:buClr>
-                <a:schemeClr val="accent1"/>
-              </a:buClr>
-              <a:buFont typeface="Wingdings" pitchFamily="2" charset="2"/>
-              <a:buChar char="§"/>
-            </a:pPr>
-            <a:r>
-              <a:rPr lang="en-US" altLang="zh-CN" sz="1800" dirty="0"/>
-              <a:t>When you read data from Redis, if the value of the read key is not in the memory, Redis needs to load the corresponding data from the swap file and then return it to the requester. </a:t>
+              <a:t> is a fast estimation of the amount of memory (in bytes) used by the object in memory.</a:t>
             </a:r>
           </a:p>
         </p:txBody>
@@ -10310,30 +10313,15 @@
             <p:ph type="body" sz="quarter" idx="10"/>
           </p:nvPr>
         </p:nvSpPr>
-        <p:spPr bwMode="gray"/>
+        <p:spPr bwMode="gray">
+          <a:xfrm>
+            <a:off x="503999" y="1620000"/>
+            <a:ext cx="11186477" cy="3718618"/>
+          </a:xfrm>
+        </p:spPr>
         <p:txBody>
           <a:bodyPr/>
           <a:lstStyle/>
-          <a:p>
-            <a:pPr marL="342900" indent="-342900">
-              <a:buFont typeface="Wingdings" panose="05000000000000000000" pitchFamily="2" charset="2"/>
-              <a:buChar char="n"/>
-            </a:pPr>
-            <a:r>
-              <a:rPr lang="en-US" b="1" dirty="0"/>
-              <a:t>Server-end data operations</a:t>
-            </a:r>
-          </a:p>
-          <a:p>
-            <a:pPr marL="522864" lvl="1" indent="-342900">
-              <a:buFont typeface="Wingdings" panose="05000000000000000000" pitchFamily="2" charset="2"/>
-              <a:buChar char="n"/>
-            </a:pPr>
-            <a:r>
-              <a:rPr lang="en-US" dirty="0"/>
-              <a:t>Redis supports server-end data operations, and owns more data structures and supports richer data operations than Memcached</a:t>
-            </a:r>
-          </a:p>
           <a:p>
             <a:pPr marL="342900" indent="-342900">
               <a:buFont typeface="Wingdings" panose="05000000000000000000" pitchFamily="2" charset="2"/>
@@ -12060,8 +12048,8 @@
         </p:nvSpPr>
         <p:spPr bwMode="gray">
           <a:xfrm>
-            <a:off x="823082" y="1860632"/>
-            <a:ext cx="10549011" cy="4331621"/>
+            <a:off x="503238" y="1263190"/>
+            <a:ext cx="5594349" cy="1914120"/>
           </a:xfrm>
           <a:prstGeom prst="rect">
             <a:avLst/>
@@ -12239,67 +12227,11 @@
               </a:buClr>
             </a:pPr>
             <a:r>
-              <a:rPr lang="en-US" altLang="zh-CN" kern="0" dirty="0">
-                <a:ea typeface="Arial Unicode MS" pitchFamily="34" charset="-128"/>
-                <a:cs typeface="Arial Unicode MS" pitchFamily="34" charset="-128"/>
-              </a:rPr>
-              <a:t>Redis, which stands for </a:t>
-            </a:r>
-            <a:r>
               <a:rPr lang="en-US" altLang="zh-CN" b="1" kern="0" dirty="0">
                 <a:ea typeface="Arial Unicode MS" pitchFamily="34" charset="-128"/>
                 <a:cs typeface="Arial Unicode MS" pitchFamily="34" charset="-128"/>
               </a:rPr>
-              <a:t>Re</a:t>
-            </a:r>
-            <a:r>
-              <a:rPr lang="en-US" altLang="zh-CN" kern="0" dirty="0">
-                <a:ea typeface="Arial Unicode MS" pitchFamily="34" charset="-128"/>
-                <a:cs typeface="Arial Unicode MS" pitchFamily="34" charset="-128"/>
-              </a:rPr>
-              <a:t>mote </a:t>
-            </a:r>
-            <a:r>
-              <a:rPr lang="en-US" altLang="zh-CN" b="1" kern="0" dirty="0">
-                <a:ea typeface="Arial Unicode MS" pitchFamily="34" charset="-128"/>
-                <a:cs typeface="Arial Unicode MS" pitchFamily="34" charset="-128"/>
-              </a:rPr>
-              <a:t>Di</a:t>
-            </a:r>
-            <a:r>
-              <a:rPr lang="en-US" altLang="zh-CN" kern="0" dirty="0">
-                <a:ea typeface="Arial Unicode MS" pitchFamily="34" charset="-128"/>
-                <a:cs typeface="Arial Unicode MS" pitchFamily="34" charset="-128"/>
-              </a:rPr>
-              <a:t>ctionary </a:t>
-            </a:r>
-            <a:r>
-              <a:rPr lang="en-US" altLang="zh-CN" b="1" kern="0" dirty="0">
-                <a:ea typeface="Arial Unicode MS" pitchFamily="34" charset="-128"/>
-                <a:cs typeface="Arial Unicode MS" pitchFamily="34" charset="-128"/>
-              </a:rPr>
-              <a:t>S</a:t>
-            </a:r>
-            <a:r>
-              <a:rPr lang="en-US" altLang="zh-CN" kern="0" dirty="0">
-                <a:ea typeface="Arial Unicode MS" pitchFamily="34" charset="-128"/>
-                <a:cs typeface="Arial Unicode MS" pitchFamily="34" charset="-128"/>
-              </a:rPr>
-              <a:t>erver, is a fast, open-source, </a:t>
-            </a:r>
-            <a:r>
-              <a:rPr lang="en-US" altLang="zh-CN" b="1" i="1" kern="0" dirty="0">
-                <a:ea typeface="Arial Unicode MS" pitchFamily="34" charset="-128"/>
-                <a:cs typeface="Arial Unicode MS" pitchFamily="34" charset="-128"/>
-              </a:rPr>
-              <a:t>in-memory key-value data store</a:t>
-            </a:r>
-            <a:r>
-              <a:rPr lang="en-US" altLang="zh-CN" kern="0" dirty="0">
-                <a:ea typeface="Arial Unicode MS" pitchFamily="34" charset="-128"/>
-                <a:cs typeface="Arial Unicode MS" pitchFamily="34" charset="-128"/>
-              </a:rPr>
-              <a:t> for use as a database, cache, message broker, and queue. So we can say that Redis stored data in RAM in form of key-value pairs.</a:t>
+              <a:t>Introduction</a:t>
             </a:r>
           </a:p>
           <a:p>
@@ -12315,102 +12247,76 @@
               </a:buClr>
             </a:pPr>
             <a:r>
-              <a:rPr lang="en-US" altLang="zh-CN" dirty="0"/>
-              <a:t>In Redis, key has to be a string but value can be a </a:t>
-            </a:r>
-            <a:r>
-              <a:rPr lang="en-US" altLang="zh-CN" b="1" dirty="0"/>
+              <a:rPr lang="en-US" altLang="zh-CN" sz="1800" kern="0" dirty="0">
+                <a:ea typeface="Arial Unicode MS" pitchFamily="34" charset="-128"/>
+                <a:cs typeface="Arial Unicode MS" pitchFamily="34" charset="-128"/>
+              </a:rPr>
+              <a:t>Redis, which stands for </a:t>
+            </a:r>
+            <a:r>
+              <a:rPr lang="en-US" altLang="zh-CN" sz="1800" b="1" kern="0" dirty="0">
+                <a:ea typeface="Arial Unicode MS" pitchFamily="34" charset="-128"/>
+                <a:cs typeface="Arial Unicode MS" pitchFamily="34" charset="-128"/>
+              </a:rPr>
+              <a:t>Re</a:t>
+            </a:r>
+            <a:r>
+              <a:rPr lang="en-US" altLang="zh-CN" sz="1800" kern="0" dirty="0">
+                <a:ea typeface="Arial Unicode MS" pitchFamily="34" charset="-128"/>
+                <a:cs typeface="Arial Unicode MS" pitchFamily="34" charset="-128"/>
+              </a:rPr>
+              <a:t>mote </a:t>
+            </a:r>
+            <a:r>
+              <a:rPr lang="en-US" altLang="zh-CN" sz="1800" b="1" kern="0" dirty="0">
+                <a:ea typeface="Arial Unicode MS" pitchFamily="34" charset="-128"/>
+                <a:cs typeface="Arial Unicode MS" pitchFamily="34" charset="-128"/>
+              </a:rPr>
+              <a:t>Di</a:t>
+            </a:r>
+            <a:r>
+              <a:rPr lang="en-US" altLang="zh-CN" sz="1800" kern="0" dirty="0">
+                <a:ea typeface="Arial Unicode MS" pitchFamily="34" charset="-128"/>
+                <a:cs typeface="Arial Unicode MS" pitchFamily="34" charset="-128"/>
+              </a:rPr>
+              <a:t>ctionary </a:t>
+            </a:r>
+            <a:r>
+              <a:rPr lang="en-US" altLang="zh-CN" sz="1800" b="1" kern="0" dirty="0">
+                <a:ea typeface="Arial Unicode MS" pitchFamily="34" charset="-128"/>
+                <a:cs typeface="Arial Unicode MS" pitchFamily="34" charset="-128"/>
+              </a:rPr>
+              <a:t>S</a:t>
+            </a:r>
+            <a:r>
+              <a:rPr lang="en-US" altLang="zh-CN" sz="1800" kern="0" dirty="0">
+                <a:ea typeface="Arial Unicode MS" pitchFamily="34" charset="-128"/>
+                <a:cs typeface="Arial Unicode MS" pitchFamily="34" charset="-128"/>
+              </a:rPr>
+              <a:t>erver, is a fast, open-source, </a:t>
+            </a:r>
+            <a:r>
+              <a:rPr lang="en-US" altLang="zh-CN" sz="1800" b="1" i="1" kern="0" dirty="0">
+                <a:ea typeface="Arial Unicode MS" pitchFamily="34" charset="-128"/>
+                <a:cs typeface="Arial Unicode MS" pitchFamily="34" charset="-128"/>
+              </a:rPr>
+              <a:t>in-memory key-value data store</a:t>
+            </a:r>
+            <a:r>
+              <a:rPr lang="en-US" altLang="zh-CN" sz="1800" kern="0" dirty="0">
+                <a:ea typeface="Arial Unicode MS" pitchFamily="34" charset="-128"/>
+                <a:cs typeface="Arial Unicode MS" pitchFamily="34" charset="-128"/>
+              </a:rPr>
+              <a:t>. And </a:t>
+            </a:r>
+            <a:r>
+              <a:rPr lang="en-US" altLang="zh-CN" sz="1800" dirty="0"/>
+              <a:t>in Redis, key has to be a string but value can be a </a:t>
+            </a:r>
+            <a:r>
+              <a:rPr lang="en-US" altLang="zh-CN" sz="1800" b="1" dirty="0"/>
               <a:t>string, list, set, sorted set or hash.</a:t>
             </a:r>
-          </a:p>
-          <a:p>
-            <a:pPr fontAlgn="base">
-              <a:spcBef>
-                <a:spcPct val="50000"/>
-              </a:spcBef>
-              <a:spcAft>
-                <a:spcPct val="0"/>
-              </a:spcAft>
-              <a:buClr>
-                <a:srgbClr val="F0AB00"/>
-              </a:buClr>
-            </a:pPr>
-            <a:endParaRPr lang="en-US" altLang="zh-CN" b="1" dirty="0"/>
-          </a:p>
-          <a:p>
-            <a:pPr fontAlgn="base">
-              <a:spcBef>
-                <a:spcPct val="50000"/>
-              </a:spcBef>
-              <a:spcAft>
-                <a:spcPct val="0"/>
-              </a:spcAft>
-              <a:buClr>
-                <a:srgbClr val="F0AB00"/>
-              </a:buClr>
-            </a:pPr>
-            <a:r>
-              <a:rPr lang="en-US" altLang="zh-CN" dirty="0"/>
-              <a:t>These are some example of Redis Key-values pairs:</a:t>
-            </a:r>
-          </a:p>
-          <a:p>
-            <a:pPr fontAlgn="base">
-              <a:spcBef>
-                <a:spcPct val="50000"/>
-              </a:spcBef>
-              <a:spcAft>
-                <a:spcPct val="0"/>
-              </a:spcAft>
-              <a:buClr>
-                <a:srgbClr val="F0AB00"/>
-              </a:buClr>
-            </a:pPr>
-            <a:endParaRPr lang="en-US" altLang="zh-CN" dirty="0"/>
-          </a:p>
-          <a:p>
-            <a:pPr fontAlgn="base">
-              <a:spcBef>
-                <a:spcPct val="50000"/>
-              </a:spcBef>
-              <a:spcAft>
-                <a:spcPct val="0"/>
-              </a:spcAft>
-              <a:buClr>
-                <a:srgbClr val="F0AB00"/>
-              </a:buClr>
-            </a:pPr>
-            <a:endParaRPr lang="en-US" altLang="zh-CN" dirty="0"/>
-          </a:p>
-          <a:p>
-            <a:pPr fontAlgn="base">
-              <a:spcBef>
-                <a:spcPct val="50000"/>
-              </a:spcBef>
-              <a:spcAft>
-                <a:spcPct val="0"/>
-              </a:spcAft>
-              <a:buClr>
-                <a:srgbClr val="F0AB00"/>
-              </a:buClr>
-            </a:pPr>
-            <a:r>
-              <a:rPr lang="en-US" altLang="zh-CN" dirty="0"/>
-              <a:t>Here Name and profession are keys, and we have their respective values on right.</a:t>
-            </a:r>
-          </a:p>
-          <a:p>
-            <a:pPr fontAlgn="base">
-              <a:spcBef>
-                <a:spcPct val="50000"/>
-              </a:spcBef>
-              <a:spcAft>
-                <a:spcPct val="0"/>
-              </a:spcAft>
-              <a:buClr>
-                <a:srgbClr val="F0AB00"/>
-              </a:buClr>
-            </a:pPr>
             <a:endParaRPr lang="en-US" altLang="zh-CN" dirty="0"/>
           </a:p>
           <a:p>
@@ -12443,8 +12349,8 @@
         </p:nvSpPr>
         <p:spPr bwMode="gray">
           <a:xfrm>
-            <a:off x="4050908" y="4315480"/>
-            <a:ext cx="4093359" cy="879231"/>
+            <a:off x="6729453" y="2091526"/>
+            <a:ext cx="4465020" cy="1068575"/>
           </a:xfrm>
           <a:prstGeom prst="rect">
             <a:avLst/>
@@ -12530,6 +12436,245 @@
           </a:p>
         </p:txBody>
       </p:sp>
+      <p:sp>
+        <p:nvSpPr>
+          <p:cNvPr id="3" name="矩形 2">
+            <a:extLst>
+              <a:ext uri="{FF2B5EF4-FFF2-40B4-BE49-F238E27FC236}">
+                <a16:creationId xmlns:a16="http://schemas.microsoft.com/office/drawing/2014/main" id="{5F951822-2869-4BB4-84A7-BDB9E27C833F}"/>
+              </a:ext>
+            </a:extLst>
+          </p:cNvPr>
+          <p:cNvSpPr/>
+          <p:nvPr/>
+        </p:nvSpPr>
+        <p:spPr>
+          <a:xfrm>
+            <a:off x="6302375" y="1046779"/>
+            <a:ext cx="5316970" cy="923330"/>
+          </a:xfrm>
+          <a:prstGeom prst="rect">
+            <a:avLst/>
+          </a:prstGeom>
+        </p:spPr>
+        <p:txBody>
+          <a:bodyPr wrap="square">
+            <a:spAutoFit/>
+          </a:bodyPr>
+          <a:lstStyle/>
+          <a:p>
+            <a:pPr fontAlgn="base">
+              <a:spcBef>
+                <a:spcPct val="50000"/>
+              </a:spcBef>
+              <a:spcAft>
+                <a:spcPct val="0"/>
+              </a:spcAft>
+              <a:buClr>
+                <a:srgbClr val="F0AB00"/>
+              </a:buClr>
+            </a:pPr>
+            <a:r>
+              <a:rPr lang="en-US" altLang="zh-CN" sz="1800" dirty="0"/>
+              <a:t>These are some example of Redis Key-values pairs, Here Name and profession are keys, and we have their respective values on right:</a:t>
+            </a:r>
+          </a:p>
+        </p:txBody>
+      </p:sp>
+      <p:sp>
+        <p:nvSpPr>
+          <p:cNvPr id="4" name="矩形 3">
+            <a:extLst>
+              <a:ext uri="{FF2B5EF4-FFF2-40B4-BE49-F238E27FC236}">
+                <a16:creationId xmlns:a16="http://schemas.microsoft.com/office/drawing/2014/main" id="{8AE1E9CA-641D-4554-8B9D-D13EB58CE40D}"/>
+              </a:ext>
+            </a:extLst>
+          </p:cNvPr>
+          <p:cNvSpPr/>
+          <p:nvPr/>
+        </p:nvSpPr>
+        <p:spPr>
+          <a:xfrm>
+            <a:off x="503238" y="3582700"/>
+            <a:ext cx="5594349" cy="2754600"/>
+          </a:xfrm>
+          <a:prstGeom prst="rect">
+            <a:avLst/>
+          </a:prstGeom>
+        </p:spPr>
+        <p:txBody>
+          <a:bodyPr wrap="square">
+            <a:spAutoFit/>
+          </a:bodyPr>
+          <a:lstStyle/>
+          <a:p>
+            <a:pPr fontAlgn="base">
+              <a:spcBef>
+                <a:spcPct val="50000"/>
+              </a:spcBef>
+              <a:spcAft>
+                <a:spcPct val="0"/>
+              </a:spcAft>
+              <a:buClr>
+                <a:srgbClr val="F0AB00"/>
+              </a:buClr>
+            </a:pPr>
+            <a:r>
+              <a:rPr lang="en-US" altLang="zh-CN" sz="2000" b="1" kern="0" dirty="0">
+                <a:ea typeface="Arial Unicode MS" pitchFamily="34" charset="-128"/>
+                <a:cs typeface="Arial Unicode MS" pitchFamily="34" charset="-128"/>
+              </a:rPr>
+              <a:t>Some Commands In Redis(Not SQL)</a:t>
+            </a:r>
+          </a:p>
+          <a:p>
+            <a:pPr marL="342900" indent="-342900" fontAlgn="base">
+              <a:spcBef>
+                <a:spcPct val="50000"/>
+              </a:spcBef>
+              <a:spcAft>
+                <a:spcPct val="0"/>
+              </a:spcAft>
+              <a:buClr>
+                <a:srgbClr val="F0AB00"/>
+              </a:buClr>
+              <a:buAutoNum type="arabicPeriod"/>
+            </a:pPr>
+            <a:r>
+              <a:rPr lang="en-US" altLang="zh-CN" sz="1800" kern="0" dirty="0">
+                <a:ea typeface="Arial Unicode MS" pitchFamily="34" charset="-128"/>
+                <a:cs typeface="Arial Unicode MS" pitchFamily="34" charset="-128"/>
+              </a:rPr>
+              <a:t>SET key value </a:t>
+            </a:r>
+            <a:r>
+              <a:rPr lang="zh-CN" altLang="en-US" sz="1800" kern="0" dirty="0">
+                <a:ea typeface="Arial Unicode MS" pitchFamily="34" charset="-128"/>
+                <a:cs typeface="Arial Unicode MS" pitchFamily="34" charset="-128"/>
+              </a:rPr>
+              <a:t>：</a:t>
+            </a:r>
+            <a:endParaRPr lang="en-US" altLang="zh-CN" sz="1800" kern="0" dirty="0">
+              <a:ea typeface="Arial Unicode MS" pitchFamily="34" charset="-128"/>
+              <a:cs typeface="Arial Unicode MS" pitchFamily="34" charset="-128"/>
+            </a:endParaRPr>
+          </a:p>
+          <a:p>
+            <a:pPr marL="342900" indent="-342900" fontAlgn="base">
+              <a:spcBef>
+                <a:spcPct val="50000"/>
+              </a:spcBef>
+              <a:spcAft>
+                <a:spcPct val="0"/>
+              </a:spcAft>
+              <a:buClr>
+                <a:srgbClr val="F0AB00"/>
+              </a:buClr>
+              <a:buFontTx/>
+              <a:buAutoNum type="arabicPeriod"/>
+            </a:pPr>
+            <a:r>
+              <a:rPr lang="en-US" altLang="zh-CN" sz="1800" kern="0" dirty="0">
+                <a:ea typeface="Arial Unicode MS" pitchFamily="34" charset="-128"/>
+                <a:cs typeface="Arial Unicode MS" pitchFamily="34" charset="-128"/>
+              </a:rPr>
+              <a:t>GET key : Get the value of a key</a:t>
+            </a:r>
+          </a:p>
+          <a:p>
+            <a:pPr marL="342900" indent="-342900" fontAlgn="base">
+              <a:spcBef>
+                <a:spcPct val="50000"/>
+              </a:spcBef>
+              <a:spcAft>
+                <a:spcPct val="0"/>
+              </a:spcAft>
+              <a:buClr>
+                <a:srgbClr val="F0AB00"/>
+              </a:buClr>
+              <a:buAutoNum type="arabicPeriod"/>
+            </a:pPr>
+            <a:r>
+              <a:rPr lang="en-US" altLang="zh-CN" sz="1800" kern="0" dirty="0">
+                <a:ea typeface="Arial Unicode MS" pitchFamily="34" charset="-128"/>
+                <a:cs typeface="Arial Unicode MS" pitchFamily="34" charset="-128"/>
+              </a:rPr>
+              <a:t>LLEN key : Get the length of a list</a:t>
+            </a:r>
+          </a:p>
+          <a:p>
+            <a:pPr marL="342900" indent="-342900" fontAlgn="base">
+              <a:spcBef>
+                <a:spcPct val="50000"/>
+              </a:spcBef>
+              <a:spcAft>
+                <a:spcPct val="0"/>
+              </a:spcAft>
+              <a:buClr>
+                <a:srgbClr val="F0AB00"/>
+              </a:buClr>
+              <a:buAutoNum type="arabicPeriod"/>
+            </a:pPr>
+            <a:r>
+              <a:rPr lang="en-US" altLang="zh-CN" sz="1800" kern="0" dirty="0">
+                <a:ea typeface="Arial Unicode MS" pitchFamily="34" charset="-128"/>
+                <a:cs typeface="Arial Unicode MS" pitchFamily="34" charset="-128"/>
+              </a:rPr>
+              <a:t>LPOP key : Remove and get the first element in a list</a:t>
+            </a:r>
+          </a:p>
+          <a:p>
+            <a:pPr fontAlgn="base">
+              <a:spcBef>
+                <a:spcPct val="50000"/>
+              </a:spcBef>
+              <a:spcAft>
+                <a:spcPct val="0"/>
+              </a:spcAft>
+              <a:buClr>
+                <a:srgbClr val="F0AB00"/>
+              </a:buClr>
+            </a:pPr>
+            <a:r>
+              <a:rPr lang="en-US" altLang="zh-CN" sz="1800" kern="0" dirty="0">
+                <a:ea typeface="Arial Unicode MS" pitchFamily="34" charset="-128"/>
+                <a:cs typeface="Arial Unicode MS" pitchFamily="34" charset="-128"/>
+              </a:rPr>
+              <a:t>     And so on.</a:t>
+            </a:r>
+          </a:p>
+        </p:txBody>
+      </p:sp>
+      <p:pic>
+        <p:nvPicPr>
+          <p:cNvPr id="6" name="图片 5">
+            <a:extLst>
+              <a:ext uri="{FF2B5EF4-FFF2-40B4-BE49-F238E27FC236}">
+                <a16:creationId xmlns:a16="http://schemas.microsoft.com/office/drawing/2014/main" id="{6D75D47B-2247-4E85-BC00-7C0DCCAFE1A3}"/>
+              </a:ext>
+            </a:extLst>
+          </p:cNvPr>
+          <p:cNvPicPr>
+            <a:picLocks noChangeAspect="1"/>
+          </p:cNvPicPr>
+          <p:nvPr/>
+        </p:nvPicPr>
+        <p:blipFill>
+          <a:blip r:embed="rId2"/>
+          <a:stretch>
+            <a:fillRect/>
+          </a:stretch>
+        </p:blipFill>
+        <p:spPr>
+          <a:xfrm>
+            <a:off x="6302373" y="3723353"/>
+            <a:ext cx="5316971" cy="2187318"/>
+          </a:xfrm>
+          <a:prstGeom prst="rect">
+            <a:avLst/>
+          </a:prstGeom>
+        </p:spPr>
+      </p:pic>
     </p:spTree>
     <p:extLst>
       <p:ext uri="{BB962C8B-B14F-4D97-AF65-F5344CB8AC3E}">
@@ -12572,8 +12717,8 @@
         </p:nvSpPr>
         <p:spPr bwMode="gray">
           <a:xfrm>
-            <a:off x="503999" y="1312272"/>
-            <a:ext cx="11186477" cy="4716000"/>
+            <a:off x="1010926" y="1660590"/>
+            <a:ext cx="10173321" cy="3536819"/>
           </a:xfrm>
         </p:spPr>
         <p:txBody>
@@ -12607,7 +12752,14 @@
             <a:pPr lvl="2"/>
             <a:r>
               <a:rPr lang="en-US" altLang="zh-CN" dirty="0"/>
-              <a:t>Developers have turned to Redis when the volume of read and write operations exceed the capabilities of traditional databases. With Redis’s capability to </a:t>
+              <a:t>Developers have turned to Redis when the volume of read and write operations exceed the capabilities of traditional databases. </a:t>
+            </a:r>
+          </a:p>
+          <a:p>
+            <a:pPr lvl="2"/>
+            <a:r>
+              <a:rPr lang="en-US" altLang="zh-CN" dirty="0"/>
+              <a:t>With Redis’s capability to </a:t>
             </a:r>
             <a:r>
               <a:rPr lang="en-US" altLang="zh-CN" b="1" dirty="0"/>
@@ -12625,6 +12777,11 @@
               <a:rPr lang="en-US" altLang="zh-CN" dirty="0"/>
               <a:t> solution for caching.</a:t>
             </a:r>
+          </a:p>
+          <a:p>
+            <a:pPr marL="179387" lvl="2" indent="0">
+              <a:buNone/>
+            </a:pPr>
             <a:endParaRPr lang="en-US" dirty="0"/>
           </a:p>
           <a:p>
@@ -12647,22 +12804,6 @@
             </a:r>
           </a:p>
           <a:p>
-            <a:pPr lvl="3"/>
-            <a:r>
-              <a:rPr lang="en-US" altLang="zh-CN" dirty="0"/>
-              <a:t>Since version 2.0, Redis provides the capability to distribute data utilizing the Publish/Subscribe messaging paradigm. </a:t>
-            </a:r>
-            <a:r>
-              <a:rPr lang="en-US" altLang="zh-CN" b="1" dirty="0"/>
-              <a:t>Redis’s simplicity and performance</a:t>
-            </a:r>
-            <a:r>
-              <a:rPr lang="en-US" altLang="zh-CN" dirty="0"/>
-              <a:t> are better than other message queuing systems.</a:t>
-            </a:r>
-            <a:endParaRPr lang="en-US" dirty="0"/>
-          </a:p>
-          <a:p>
             <a:pPr lvl="2"/>
             <a:r>
               <a:rPr lang="en-US" dirty="0"/>
@@ -12670,35 +12811,11 @@
             </a:r>
           </a:p>
           <a:p>
-            <a:pPr lvl="3"/>
-            <a:r>
-              <a:rPr lang="en-US" altLang="zh-CN" dirty="0"/>
-              <a:t>Use Redis as the </a:t>
-            </a:r>
-            <a:r>
-              <a:rPr lang="en-US" altLang="zh-CN" b="1" dirty="0"/>
-              <a:t>backend for queueing background jobs</a:t>
-            </a:r>
-            <a:r>
-              <a:rPr lang="en-US" altLang="zh-CN" dirty="0"/>
-              <a:t>.</a:t>
-            </a:r>
-            <a:endParaRPr lang="en-US" dirty="0"/>
-          </a:p>
-          <a:p>
             <a:pPr lvl="2"/>
             <a:r>
               <a:rPr lang="en-US" dirty="0"/>
               <a:t>Counters</a:t>
             </a:r>
-          </a:p>
-          <a:p>
-            <a:pPr lvl="3"/>
-            <a:r>
-              <a:rPr lang="en-US" altLang="zh-CN" dirty="0"/>
-              <a:t>Creating a counter is as simple as determining a name for a key and issuing the HINCRBY command. There is no need to read the data before incrementing, and there are no database schemas to update. Since these are atomic operations, the counters will maintain consistency when accessed from multiple application servers.</a:t>
-            </a:r>
-            <a:endParaRPr lang="en-US" dirty="0"/>
           </a:p>
         </p:txBody>
       </p:sp>

--- a/NoSQL/The_survey_on_redis.pptx
+++ b/NoSQL/The_survey_on_redis.pptx
@@ -12496,7 +12496,7 @@
         <p:spPr>
           <a:xfrm>
             <a:off x="503238" y="3582700"/>
-            <a:ext cx="5594349" cy="2754600"/>
+            <a:ext cx="4926601" cy="2754600"/>
           </a:xfrm>
           <a:prstGeom prst="rect">
             <a:avLst/>
@@ -12659,16 +12659,15 @@
           </p:cNvPicPr>
           <p:nvPr/>
         </p:nvPicPr>
-        <p:blipFill>
+        <p:blipFill rotWithShape="1">
           <a:blip r:embed="rId2"/>
-          <a:stretch>
-            <a:fillRect/>
-          </a:stretch>
+          <a:srcRect r="4341"/>
+          <a:stretch/>
         </p:blipFill>
         <p:spPr>
           <a:xfrm>
-            <a:off x="6302373" y="3723353"/>
-            <a:ext cx="5316971" cy="2187318"/>
+            <a:off x="5215933" y="3534938"/>
+            <a:ext cx="6979242" cy="3001472"/>
           </a:xfrm>
           <a:prstGeom prst="rect">
             <a:avLst/>
@@ -14883,21 +14882,6 @@
 </file>
 
 <file path=customXml/item1.xml><?xml version="1.0" encoding="utf-8"?>
-<p:properties xmlns:p="http://schemas.microsoft.com/office/2006/metadata/properties" xmlns:xsi="http://www.w3.org/2001/XMLSchema-instance" xmlns:pc="http://schemas.microsoft.com/office/infopath/2007/PartnerControls">
-  <documentManagement/>
-</p:properties>
-</file>
-
-<file path=customXml/item2.xml><?xml version="1.0" encoding="utf-8"?>
-<?mso-contentType ?>
-<FormTemplates xmlns="http://schemas.microsoft.com/sharepoint/v3/contenttype/forms">
-  <Display>DocumentLibraryForm</Display>
-  <Edit>DocumentLibraryForm</Edit>
-  <New>DocumentLibraryForm</New>
-</FormTemplates>
-</file>
-
-<file path=customXml/item3.xml><?xml version="1.0" encoding="utf-8"?>
 <ct:contentTypeSchema xmlns:ct="http://schemas.microsoft.com/office/2006/metadata/contentType" xmlns:ma="http://schemas.microsoft.com/office/2006/metadata/properties/metaAttributes" ct:_="" ma:_="" ma:contentTypeName="Dokument" ma:contentTypeID="0x010100FE3E8B596245C240B913CA1825D8323E" ma:contentTypeVersion="2" ma:contentTypeDescription="Ein neues Dokument erstellen." ma:contentTypeScope="" ma:versionID="d07af3819a34b45ea68cbd04711a1fcb">
   <xsd:schema xmlns:xsd="http://www.w3.org/2001/XMLSchema" xmlns:xs="http://www.w3.org/2001/XMLSchema" xmlns:p="http://schemas.microsoft.com/office/2006/metadata/properties" xmlns:ns2="cbd03908-ee30-408a-b5f8-8b129e892ff3" targetNamespace="http://schemas.microsoft.com/office/2006/metadata/properties" ma:root="true" ma:fieldsID="1f4ce58f1eea7887a27fb72747442165" ns2:_="">
     <xsd:import namespace="cbd03908-ee30-408a-b5f8-8b129e892ff3"/>
@@ -15029,24 +15013,22 @@
 </ct:contentTypeSchema>
 </file>
 
-<file path=customXml/itemProps1.xml><?xml version="1.0" encoding="utf-8"?>
-<ds:datastoreItem xmlns:ds="http://schemas.openxmlformats.org/officeDocument/2006/customXml" ds:itemID="{B5A61EA0-C632-450D-8732-FBE1B6CC6F01}">
-  <ds:schemaRefs>
-    <ds:schemaRef ds:uri="http://schemas.microsoft.com/office/2006/metadata/properties"/>
-    <ds:schemaRef ds:uri="http://schemas.microsoft.com/office/infopath/2007/PartnerControls"/>
-  </ds:schemaRefs>
-</ds:datastoreItem>
+<file path=customXml/item2.xml><?xml version="1.0" encoding="utf-8"?>
+<?mso-contentType ?>
+<FormTemplates xmlns="http://schemas.microsoft.com/sharepoint/v3/contenttype/forms">
+  <Display>DocumentLibraryForm</Display>
+  <Edit>DocumentLibraryForm</Edit>
+  <New>DocumentLibraryForm</New>
+</FormTemplates>
 </file>
 
-<file path=customXml/itemProps2.xml><?xml version="1.0" encoding="utf-8"?>
-<ds:datastoreItem xmlns:ds="http://schemas.openxmlformats.org/officeDocument/2006/customXml" ds:itemID="{2DA81D51-CB8B-4E00-A304-5985D65D0CEC}">
-  <ds:schemaRefs>
-    <ds:schemaRef ds:uri="http://schemas.microsoft.com/sharepoint/v3/contenttype/forms"/>
-  </ds:schemaRefs>
-</ds:datastoreItem>
+<file path=customXml/item3.xml><?xml version="1.0" encoding="utf-8"?>
+<p:properties xmlns:p="http://schemas.microsoft.com/office/2006/metadata/properties" xmlns:xsi="http://www.w3.org/2001/XMLSchema-instance" xmlns:pc="http://schemas.microsoft.com/office/infopath/2007/PartnerControls">
+  <documentManagement/>
+</p:properties>
 </file>
 
-<file path=customXml/itemProps3.xml><?xml version="1.0" encoding="utf-8"?>
+<file path=customXml/itemProps1.xml><?xml version="1.0" encoding="utf-8"?>
 <ds:datastoreItem xmlns:ds="http://schemas.openxmlformats.org/officeDocument/2006/customXml" ds:itemID="{5BCC86C0-0DD0-4840-A0C1-33A1E70698E1}">
   <ds:schemaRefs>
     <ds:schemaRef ds:uri="http://schemas.microsoft.com/office/2006/metadata/contentType"/>
@@ -15062,4 +15044,21 @@
     <ds:schemaRef ds:uri="http://schemas.microsoft.com/internal/obd"/>
   </ds:schemaRefs>
 </ds:datastoreItem>
+</file>
+
+<file path=customXml/itemProps2.xml><?xml version="1.0" encoding="utf-8"?>
+<ds:datastoreItem xmlns:ds="http://schemas.openxmlformats.org/officeDocument/2006/customXml" ds:itemID="{2DA81D51-CB8B-4E00-A304-5985D65D0CEC}">
+  <ds:schemaRefs>
+    <ds:schemaRef ds:uri="http://schemas.microsoft.com/sharepoint/v3/contenttype/forms"/>
+  </ds:schemaRefs>
+</ds:datastoreItem>
+</file>
+
+<file path=customXml/itemProps3.xml><?xml version="1.0" encoding="utf-8"?>
+<ds:datastoreItem xmlns:ds="http://schemas.openxmlformats.org/officeDocument/2006/customXml" ds:itemID="{B5A61EA0-C632-450D-8732-FBE1B6CC6F01}">
+  <ds:schemaRefs>
+    <ds:schemaRef ds:uri="http://schemas.microsoft.com/office/2006/metadata/properties"/>
+    <ds:schemaRef ds:uri="http://schemas.microsoft.com/office/infopath/2007/PartnerControls"/>
+  </ds:schemaRefs>
+</ds:datastoreItem>
 </file>